--- a/Presentations/Svelte framework.pptx
+++ b/Presentations/Svelte framework.pptx
@@ -12934,7 +12934,7 @@
           <a:p>
             <a:fld id="{6377C121-6E79-4E14-8328-5EDD3F0F5CC3}" type="datetimeFigureOut">
               <a:rPr lang="en-US" smtClean="0"/>
-              <a:t>10/25/2019</a:t>
+              <a:t>10/28/2019</a:t>
             </a:fld>
             <a:endParaRPr lang="en-US"/>
           </a:p>
@@ -13516,7 +13516,7 @@
                 <a:ea typeface="+mn-ea"/>
                 <a:cs typeface="+mn-cs"/>
               </a:rPr>
-              <a:t>Хочу поделиться примером с собеседования на позицию middle react developer.</a:t>
+              <a:t>Пример с собеседования на позицию middle react developer.</a:t>
             </a:r>
           </a:p>
           <a:p>
@@ -13550,7 +13550,7 @@
                 <a:ea typeface="+mn-ea"/>
                 <a:cs typeface="+mn-cs"/>
               </a:rPr>
-              <a:t>Итак, компонентные фреймворки победили. Фронтенд решил проблемы, которые стояли перед разработчиками во времена jQuery. Но новые подходы порождают новые неприятности. Какие проблемы вижу я?</a:t>
+              <a:t>Итак, компонентные фреймворки победили. Фронтенд решил проблемы, которые стояли перед разработчиками во времена jQuery. Но новые подходы порождают новые неприятности. Какие проблемы можно увидеть?</a:t>
             </a:r>
           </a:p>
           <a:p>
@@ -13613,44 +13613,7 @@
                 <a:ea typeface="+mn-ea"/>
                 <a:cs typeface="+mn-cs"/>
               </a:rPr>
-              <a:t>Еще Javascript покоряет low powered devices. Это смарт TV, часы, IoT. На таких устройствах ограниченный бюджет памяти и процессора, поэтому разработчики не могут себе позволить расточительно обращаться с ресурсами пользователя.</a:t>
-            </a:r>
-            <a:br>
-              <a:rPr lang="ru-RU" sz="1200" b="0" i="0" kern="1200" dirty="0">
-                <a:solidFill>
-                  <a:schemeClr val="tx1"/>
-                </a:solidFill>
-                <a:effectLst/>
-                <a:latin typeface="+mn-lt"/>
-                <a:ea typeface="+mn-ea"/>
-                <a:cs typeface="+mn-cs"/>
-              </a:rPr>
-            </a:br>
-            <a:r>
-              <a:rPr lang="ru-RU" sz="1200" b="0" i="0" kern="1200" dirty="0">
-                <a:solidFill>
-                  <a:schemeClr val="tx1"/>
-                </a:solidFill>
-                <a:effectLst/>
-                <a:latin typeface="+mn-lt"/>
-                <a:ea typeface="+mn-ea"/>
-                <a:cs typeface="+mn-cs"/>
-              </a:rPr>
-              <a:t>У нас на работе есть опыт запуска React приложения на интернет хабе. Вышло так себе.</a:t>
-            </a:r>
-          </a:p>
-          <a:p>
-            <a:r>
-              <a:rPr lang="ru-RU" sz="1200" b="0" i="0" kern="1200" dirty="0">
-                <a:solidFill>
-                  <a:schemeClr val="tx1"/>
-                </a:solidFill>
-                <a:effectLst/>
-                <a:latin typeface="+mn-lt"/>
-                <a:ea typeface="+mn-ea"/>
-                <a:cs typeface="+mn-cs"/>
-              </a:rPr>
-              <a:t>Высокий порог входа.</a:t>
+              <a:t>Еще Javascript покоряет low powered devices. Это смарт TV, часы, IoT. На таких устройствах ограниченный бюджет памяти и процессора, поэтому разработчики не могут себе позволить расточительно обращаться с ресурсами пользователя. Высокий порог входа.</a:t>
             </a:r>
             <a:br>
               <a:rPr lang="ru-RU" sz="1200" b="0" i="0" kern="1200" dirty="0">
@@ -14089,7 +14052,7 @@
                 <a:ea typeface="+mn-ea"/>
                 <a:cs typeface="+mn-cs"/>
               </a:rPr>
-              <a:t>Если вам доводилось анимировать удаление элемента из DOM на React, то я вам сочувствую. На React потребуется либо враппер, который будет откладывать удаление элемента из DOM и производить анимацию, либо сам элемент остается в DOM, но анимация потребует управления свойством display или других манипуляций, чтобы элемент не занима</a:t>
+              <a:t>Если вам доводилось анимировать удаление элемента из DOM на React, то сочувствие. На React потребуется либо враппер, который будет откладывать удаление элемента из DOM и производить анимацию, либо сам элемент остается в DOM, но анимация потребует управления свойством display или других манипуляций, чтобы элемент не занима</a:t>
             </a:r>
             <a:endParaRPr lang="en-US" sz="1200" b="0" i="0" kern="1200" dirty="0">
               <a:solidFill>
@@ -14123,7 +14086,7 @@
                 <a:ea typeface="+mn-ea"/>
                 <a:cs typeface="+mn-cs"/>
               </a:rPr>
-              <a:t>Я пытался найти самую простую реализацию на React, в итоге получилось 35 строк кода. Если у вас есть решение проще, поделитесь в комментариях.л место.</a:t>
+              <a:t>самую простую реализацию на React, в итоге получилось 35 строк кода</a:t>
             </a:r>
             <a:endParaRPr lang="en-US" dirty="0"/>
           </a:p>
@@ -17511,7 +17474,7 @@
                 <a:ea typeface="+mn-ea"/>
                 <a:cs typeface="+mn-cs"/>
               </a:rPr>
-              <a:t>Кажется, что у нас есть все, что нужно для счастья. Но индустрия двигается вперед. Я хочу вам рассказать о компилируемом фреймворке </a:t>
+              <a:t>Кажется, что у нас есть все, что нужно для счастья. Но индустрия двигается вперед, поговорим о компилируемом фреймворке </a:t>
             </a:r>
             <a:r>
               <a:rPr lang="ru-RU" sz="1200" b="0" i="0" u="none" strike="noStrike" kern="1200" dirty="0">
@@ -17703,181 +17666,15 @@
             </a:r>
           </a:p>
           <a:p>
-            <a:endParaRPr lang="en-US" dirty="0"/>
-          </a:p>
-          <a:p>
-            <a:r>
-              <a:rPr lang="ru-RU" sz="1200" b="0" i="0" kern="1200" dirty="0">
-                <a:solidFill>
-                  <a:schemeClr val="tx1"/>
-                </a:solidFill>
-                <a:effectLst/>
-                <a:latin typeface="+mn-lt"/>
-                <a:ea typeface="+mn-ea"/>
-                <a:cs typeface="+mn-cs"/>
-              </a:rPr>
-              <a:t>Итак, компонентные фреймворки победили. Фронтенд решил проблемы, которые стояли перед разработчиками во времена jQuery. Но новые подходы порождают новые неприятности. Какие проблемы вижу я?</a:t>
-            </a:r>
-          </a:p>
-          <a:p>
-            <a:br>
-              <a:rPr lang="ru-RU" dirty="0"/>
-            </a:br>
-            <a:r>
-              <a:rPr lang="ru-RU" sz="1200" b="0" i="0" kern="1200" dirty="0">
-                <a:solidFill>
-                  <a:schemeClr val="tx1"/>
-                </a:solidFill>
-                <a:effectLst/>
-                <a:latin typeface="+mn-lt"/>
-                <a:ea typeface="+mn-ea"/>
-                <a:cs typeface="+mn-cs"/>
-              </a:rPr>
-              <a:t>Производительность.</a:t>
-            </a:r>
-            <a:br>
-              <a:rPr lang="ru-RU" sz="1200" b="0" i="0" kern="1200" dirty="0">
-                <a:solidFill>
-                  <a:schemeClr val="tx1"/>
-                </a:solidFill>
-                <a:effectLst/>
-                <a:latin typeface="+mn-lt"/>
-                <a:ea typeface="+mn-ea"/>
-                <a:cs typeface="+mn-cs"/>
-              </a:rPr>
-            </a:br>
-            <a:r>
-              <a:rPr lang="ru-RU" sz="1200" b="0" i="0" kern="1200" dirty="0">
-                <a:solidFill>
-                  <a:schemeClr val="tx1"/>
-                </a:solidFill>
-                <a:effectLst/>
-                <a:latin typeface="+mn-lt"/>
-                <a:ea typeface="+mn-ea"/>
-                <a:cs typeface="+mn-cs"/>
-              </a:rPr>
-              <a:t>В январе этого года Google анонсировал возможность публикации PWA приложений в google play, открыв дорогу javascript в магазин нативных приложений. Это накладывает определенную ответственность на разработчиков, ведь пользователи ожидают производительность нативных приложений, для потребителя не должно быть разницы.</a:t>
-            </a:r>
-            <a:br>
-              <a:rPr lang="ru-RU" sz="1200" b="0" i="0" kern="1200" dirty="0">
-                <a:solidFill>
-                  <a:schemeClr val="tx1"/>
-                </a:solidFill>
-                <a:effectLst/>
-                <a:latin typeface="+mn-lt"/>
-                <a:ea typeface="+mn-ea"/>
-                <a:cs typeface="+mn-cs"/>
-              </a:rPr>
-            </a:br>
-            <a:r>
-              <a:rPr lang="ru-RU" sz="1200" b="0" i="0" kern="1200" dirty="0">
-                <a:solidFill>
-                  <a:schemeClr val="tx1"/>
-                </a:solidFill>
-                <a:effectLst/>
-                <a:latin typeface="+mn-lt"/>
-                <a:ea typeface="+mn-ea"/>
-                <a:cs typeface="+mn-cs"/>
-              </a:rPr>
-              <a:t>Еще Javascript покоряет low powered devices. Это смарт TV, часы, IoT. На таких устройствах ограниченный бюджет памяти и процессора, поэтому разработчики не могут себе позволить расточительно обращаться с ресурсами пользователя.</a:t>
-            </a:r>
-            <a:br>
-              <a:rPr lang="ru-RU" sz="1200" b="0" i="0" kern="1200" dirty="0">
-                <a:solidFill>
-                  <a:schemeClr val="tx1"/>
-                </a:solidFill>
-                <a:effectLst/>
-                <a:latin typeface="+mn-lt"/>
-                <a:ea typeface="+mn-ea"/>
-                <a:cs typeface="+mn-cs"/>
-              </a:rPr>
-            </a:br>
-            <a:r>
-              <a:rPr lang="ru-RU" sz="1200" b="0" i="0" kern="1200" dirty="0">
-                <a:solidFill>
-                  <a:schemeClr val="tx1"/>
-                </a:solidFill>
-                <a:effectLst/>
-                <a:latin typeface="+mn-lt"/>
-                <a:ea typeface="+mn-ea"/>
-                <a:cs typeface="+mn-cs"/>
-              </a:rPr>
-              <a:t>У нас на работе есть опыт запуска React приложения на интернет хабе. Вышло так себе.</a:t>
-            </a:r>
-          </a:p>
-          <a:p>
-            <a:r>
-              <a:rPr lang="ru-RU" sz="1200" b="0" i="0" kern="1200" dirty="0">
-                <a:solidFill>
-                  <a:schemeClr val="tx1"/>
-                </a:solidFill>
-                <a:effectLst/>
-                <a:latin typeface="+mn-lt"/>
-                <a:ea typeface="+mn-ea"/>
-                <a:cs typeface="+mn-cs"/>
-              </a:rPr>
-              <a:t>Высокий порог входа.</a:t>
-            </a:r>
-            <a:br>
-              <a:rPr lang="ru-RU" sz="1200" b="0" i="0" kern="1200" dirty="0">
-                <a:solidFill>
-                  <a:schemeClr val="tx1"/>
-                </a:solidFill>
-                <a:effectLst/>
-                <a:latin typeface="+mn-lt"/>
-                <a:ea typeface="+mn-ea"/>
-                <a:cs typeface="+mn-cs"/>
-              </a:rPr>
-            </a:br>
-            <a:r>
-              <a:rPr lang="ru-RU" sz="1200" b="0" i="0" kern="1200" dirty="0">
-                <a:solidFill>
-                  <a:schemeClr val="tx1"/>
-                </a:solidFill>
-                <a:effectLst/>
-                <a:latin typeface="+mn-lt"/>
-                <a:ea typeface="+mn-ea"/>
-                <a:cs typeface="+mn-cs"/>
-              </a:rPr>
-              <a:t>Как мы видели выше, большинство соискателей указывают в навыках jQuery, а не react. Освоить концепции React гораздо сложнее, чем подключить на страницу jQuery и начать творить.</a:t>
-            </a:r>
-          </a:p>
-          <a:p>
-            <a:r>
-              <a:rPr lang="ru-RU" sz="1200" b="0" i="0" kern="1200" dirty="0">
-                <a:solidFill>
-                  <a:schemeClr val="tx1"/>
-                </a:solidFill>
-                <a:effectLst/>
-                <a:latin typeface="+mn-lt"/>
-                <a:ea typeface="+mn-ea"/>
-                <a:cs typeface="+mn-cs"/>
-              </a:rPr>
-              <a:t>Зависимость от фреймворка.</a:t>
-            </a:r>
-            <a:br>
-              <a:rPr lang="ru-RU" sz="1200" b="0" i="0" kern="1200" dirty="0">
-                <a:solidFill>
-                  <a:schemeClr val="tx1"/>
-                </a:solidFill>
-                <a:effectLst/>
-                <a:latin typeface="+mn-lt"/>
-                <a:ea typeface="+mn-ea"/>
-                <a:cs typeface="+mn-cs"/>
-              </a:rPr>
-            </a:br>
-            <a:r>
-              <a:rPr lang="ru-RU" sz="1200" b="0" i="0" kern="1200" dirty="0">
-                <a:solidFill>
-                  <a:schemeClr val="tx1"/>
-                </a:solidFill>
-                <a:effectLst/>
-                <a:latin typeface="+mn-lt"/>
-                <a:ea typeface="+mn-ea"/>
-                <a:cs typeface="+mn-cs"/>
-              </a:rPr>
-              <a:t>Если у вас есть библиотека компонентов, написанная на React, вы вряд ли сможете ее переиспользовать в проекте на Vue или Angular. Вы становитесь заложником экосистемы</a:t>
-            </a:r>
+            <a:endParaRPr lang="ru-RU" sz="1200" b="0" i="0" kern="1200" dirty="0">
+              <a:solidFill>
+                <a:schemeClr val="tx1"/>
+              </a:solidFill>
+              <a:effectLst/>
+              <a:latin typeface="+mn-lt"/>
+              <a:ea typeface="+mn-ea"/>
+              <a:cs typeface="+mn-cs"/>
+            </a:endParaRPr>
           </a:p>
           <a:p>
             <a:endParaRPr lang="en-US" dirty="0"/>
@@ -18591,7 +18388,7 @@
           <a:p>
             <a:fld id="{9184DA70-C731-4C70-880D-CCD4705E623C}" type="datetime1">
               <a:rPr lang="en-US" smtClean="0"/>
-              <a:t>10/25/2019</a:t>
+              <a:t>10/28/2019</a:t>
             </a:fld>
             <a:endParaRPr lang="en-US" dirty="0"/>
           </a:p>
@@ -18779,7 +18576,7 @@
           <a:p>
             <a:fld id="{B612A279-0833-481D-8C56-F67FD0AC6C50}" type="datetime1">
               <a:rPr lang="en-US" smtClean="0"/>
-              <a:t>10/25/2019</a:t>
+              <a:t>10/28/2019</a:t>
             </a:fld>
             <a:endParaRPr lang="en-US" dirty="0"/>
           </a:p>
@@ -19021,7 +18818,7 @@
           <a:p>
             <a:fld id="{6587DA83-5663-4C9C-B9AA-0B40A3DAFF81}" type="datetime1">
               <a:rPr lang="en-US" smtClean="0"/>
-              <a:t>10/25/2019</a:t>
+              <a:t>10/28/2019</a:t>
             </a:fld>
             <a:endParaRPr lang="en-US" dirty="0"/>
           </a:p>
@@ -19209,7 +19006,7 @@
           <a:p>
             <a:fld id="{4BE1D723-8F53-4F53-90B0-1982A396982E}" type="datetime1">
               <a:rPr lang="en-US" smtClean="0"/>
-              <a:t>10/25/2019</a:t>
+              <a:t>10/28/2019</a:t>
             </a:fld>
             <a:endParaRPr lang="en-US" dirty="0"/>
           </a:p>
@@ -19582,7 +19379,7 @@
           <a:p>
             <a:fld id="{97669AF7-7BEB-44E4-9852-375E34362B5B}" type="datetime1">
               <a:rPr lang="en-US" smtClean="0"/>
-              <a:t>10/25/2019</a:t>
+              <a:t>10/28/2019</a:t>
             </a:fld>
             <a:endParaRPr lang="en-US" dirty="0"/>
           </a:p>
@@ -19837,7 +19634,7 @@
           <a:p>
             <a:fld id="{BAAAC38D-0552-4C82-B593-E6124DFADBE2}" type="datetime1">
               <a:rPr lang="en-US" smtClean="0"/>
-              <a:t>10/25/2019</a:t>
+              <a:t>10/28/2019</a:t>
             </a:fld>
             <a:endParaRPr lang="en-US" dirty="0"/>
           </a:p>
@@ -20234,7 +20031,7 @@
           <a:p>
             <a:fld id="{D9DF0F1C-5577-4ACB-BB62-DF8F3C494C7E}" type="datetime1">
               <a:rPr lang="en-US" smtClean="0"/>
-              <a:t>10/25/2019</a:t>
+              <a:t>10/28/2019</a:t>
             </a:fld>
             <a:endParaRPr lang="en-US" dirty="0"/>
           </a:p>
@@ -20370,7 +20167,7 @@
           <a:p>
             <a:fld id="{1775B394-D9F9-4F0C-B15D-605F45CB9E9F}" type="datetime1">
               <a:rPr lang="en-US" smtClean="0"/>
-              <a:t>10/25/2019</a:t>
+              <a:t>10/28/2019</a:t>
             </a:fld>
             <a:endParaRPr lang="en-US" dirty="0"/>
           </a:p>
@@ -20527,7 +20324,7 @@
           <a:p>
             <a:fld id="{39667345-2558-425A-8533-9BFDBCE15005}" type="datetime1">
               <a:rPr lang="en-US" smtClean="0"/>
-              <a:t>10/25/2019</a:t>
+              <a:t>10/28/2019</a:t>
             </a:fld>
             <a:endParaRPr lang="en-US" dirty="0"/>
           </a:p>
@@ -20856,7 +20653,7 @@
           <a:p>
             <a:fld id="{92BEA474-078D-4E9B-9B14-09A87B19DC46}" type="datetime1">
               <a:rPr lang="en-US" smtClean="0"/>
-              <a:t>10/25/2019</a:t>
+              <a:t>10/28/2019</a:t>
             </a:fld>
             <a:endParaRPr lang="en-US" dirty="0"/>
           </a:p>
@@ -21206,7 +21003,7 @@
           <a:p>
             <a:fld id="{4907D986-8816-4272-A432-0437A28A9828}" type="datetime1">
               <a:rPr lang="en-US" smtClean="0"/>
-              <a:t>10/25/2019</a:t>
+              <a:t>10/28/2019</a:t>
             </a:fld>
             <a:endParaRPr lang="en-US" dirty="0"/>
           </a:p>
@@ -21467,7 +21264,7 @@
           <a:p>
             <a:fld id="{62D6E202-B606-4609-B914-27C9371A1F6D}" type="datetime1">
               <a:rPr lang="en-US" smtClean="0"/>
-              <a:t>10/25/2019</a:t>
+              <a:t>10/28/2019</a:t>
             </a:fld>
             <a:endParaRPr lang="en-US" dirty="0"/>
           </a:p>
@@ -33130,7 +32927,7 @@
         </p:spPr>
         <p:txBody>
           <a:bodyPr anchor="ctr">
-            <a:normAutofit/>
+            <a:normAutofit lnSpcReduction="10000"/>
           </a:bodyPr>
           <a:lstStyle/>
           <a:p>
@@ -33140,16 +32937,16 @@
               </a:lnSpc>
             </a:pPr>
             <a:r>
-              <a:rPr lang="en-US" sz="1900"/>
+              <a:rPr lang="en-US" sz="1900" dirty="0"/>
               <a:t>1. </a:t>
             </a:r>
             <a:r>
-              <a:rPr lang="en-US" sz="1900">
+              <a:rPr lang="en-US" sz="1900" dirty="0">
                 <a:hlinkClick r:id="rId2"/>
               </a:rPr>
               <a:t>https://hackr.io/blog/top-10-web-development-frameworks-in-2019</a:t>
             </a:r>
-            <a:endParaRPr lang="en-US" sz="1900"/>
+            <a:endParaRPr lang="en-US" sz="1900" dirty="0"/>
           </a:p>
           <a:p>
             <a:pPr>
@@ -33158,16 +32955,16 @@
               </a:lnSpc>
             </a:pPr>
             <a:r>
-              <a:rPr lang="en-US" sz="1900"/>
+              <a:rPr lang="en-US" sz="1900" dirty="0"/>
               <a:t>2. </a:t>
             </a:r>
             <a:r>
-              <a:rPr lang="en-US" sz="1900">
+              <a:rPr lang="en-US" sz="1900" dirty="0">
                 <a:hlinkClick r:id="rId3"/>
               </a:rPr>
               <a:t>https://habr.com/ru/post/462003/</a:t>
             </a:r>
-            <a:endParaRPr lang="en-US" sz="1900"/>
+            <a:endParaRPr lang="en-US" sz="1900" dirty="0"/>
           </a:p>
           <a:p>
             <a:pPr>
@@ -33176,16 +32973,16 @@
               </a:lnSpc>
             </a:pPr>
             <a:r>
-              <a:rPr lang="en-US" sz="1900"/>
+              <a:rPr lang="en-US" sz="1900" dirty="0"/>
               <a:t>3. </a:t>
             </a:r>
             <a:r>
-              <a:rPr lang="en-US" sz="1900">
+              <a:rPr lang="en-US" sz="1800" dirty="0">
                 <a:hlinkClick r:id="rId4"/>
               </a:rPr>
-              <a:t>https://sapper.svelte.dev</a:t>
-            </a:r>
-            <a:endParaRPr lang="en-US" sz="1900"/>
+              <a:t>https://habr.com/ru/post/471702/</a:t>
+            </a:r>
+            <a:endParaRPr lang="en-US" sz="1900" dirty="0"/>
           </a:p>
           <a:p>
             <a:pPr>
@@ -33194,16 +32991,16 @@
               </a:lnSpc>
             </a:pPr>
             <a:r>
-              <a:rPr lang="en-US" sz="1900"/>
+              <a:rPr lang="en-US" sz="1900" dirty="0"/>
               <a:t>4. </a:t>
             </a:r>
             <a:r>
-              <a:rPr lang="en-US" sz="1900">
+              <a:rPr lang="en-US" sz="1900" dirty="0">
                 <a:hlinkClick r:id="rId5"/>
               </a:rPr>
-              <a:t>https://habr.com/ru/post/467091/</a:t>
-            </a:r>
-            <a:endParaRPr lang="en-US" sz="1900"/>
+              <a:t>https://sapper.svelte.dev</a:t>
+            </a:r>
+            <a:endParaRPr lang="en-US" sz="1900" dirty="0"/>
           </a:p>
           <a:p>
             <a:pPr>
@@ -33212,16 +33009,16 @@
               </a:lnSpc>
             </a:pPr>
             <a:r>
-              <a:rPr lang="en-US" sz="1900"/>
+              <a:rPr lang="en-US" sz="1900" dirty="0"/>
               <a:t>5. </a:t>
             </a:r>
             <a:r>
-              <a:rPr lang="en-US" sz="1900">
+              <a:rPr lang="en-US" sz="1900" dirty="0">
                 <a:hlinkClick r:id="rId6"/>
               </a:rPr>
-              <a:t>https://habr.com/ru/post/449450/</a:t>
-            </a:r>
-            <a:endParaRPr lang="en-US" sz="1900"/>
+              <a:t>https://habr.com/ru/post/467091/</a:t>
+            </a:r>
+            <a:endParaRPr lang="en-US" sz="1900" dirty="0"/>
           </a:p>
           <a:p>
             <a:pPr>
@@ -33230,16 +33027,16 @@
               </a:lnSpc>
             </a:pPr>
             <a:r>
-              <a:rPr lang="en-US" sz="1900"/>
+              <a:rPr lang="en-US" sz="1900" dirty="0"/>
               <a:t>6. </a:t>
             </a:r>
             <a:r>
-              <a:rPr lang="en-US" sz="1900">
+              <a:rPr lang="en-US" sz="1900" dirty="0">
                 <a:hlinkClick r:id="rId7"/>
               </a:rPr>
-              <a:t>https://habr.com/ru/post/448048/</a:t>
-            </a:r>
-            <a:endParaRPr lang="en-US" sz="1900"/>
+              <a:t>https://habr.com/ru/post/449450/</a:t>
+            </a:r>
+            <a:endParaRPr lang="en-US" sz="1900" dirty="0"/>
           </a:p>
           <a:p>
             <a:pPr>
@@ -33248,16 +33045,16 @@
               </a:lnSpc>
             </a:pPr>
             <a:r>
-              <a:rPr lang="en-US" sz="1900"/>
+              <a:rPr lang="en-US" sz="1900" dirty="0"/>
               <a:t>7. </a:t>
             </a:r>
             <a:r>
-              <a:rPr lang="en-US" sz="1900">
+              <a:rPr lang="en-US" sz="1900" dirty="0">
                 <a:hlinkClick r:id="rId8"/>
               </a:rPr>
-              <a:t>https://towardsdatascience.com/what-are-the-pros-and-cons-of-using-vue-js-3689d00d87b0</a:t>
-            </a:r>
-            <a:endParaRPr lang="en-US" sz="1900"/>
+              <a:t>https://habr.com/ru/post/448048/</a:t>
+            </a:r>
+            <a:endParaRPr lang="en-US" sz="1900" dirty="0"/>
           </a:p>
           <a:p>
             <a:pPr>
@@ -33266,16 +33063,16 @@
               </a:lnSpc>
             </a:pPr>
             <a:r>
-              <a:rPr lang="en-US" sz="1900"/>
+              <a:rPr lang="en-US" sz="1900" dirty="0"/>
               <a:t>8. </a:t>
             </a:r>
             <a:r>
-              <a:rPr lang="en-US" sz="1900">
+              <a:rPr lang="en-US" sz="1900" dirty="0">
                 <a:hlinkClick r:id="rId9"/>
               </a:rPr>
-              <a:t>https://yalantis.com/blog/building-native-apps-with-the-vuejs-framework/</a:t>
-            </a:r>
-            <a:endParaRPr lang="en-US" sz="1900"/>
+              <a:t>https://towardsdatascience.com/what-are-the-pros-and-cons-of-using-vue-js-3689d00d87b0</a:t>
+            </a:r>
+            <a:endParaRPr lang="en-US" sz="1900" dirty="0"/>
           </a:p>
           <a:p>
             <a:pPr>
@@ -33284,16 +33081,16 @@
               </a:lnSpc>
             </a:pPr>
             <a:r>
-              <a:rPr lang="en-US" sz="1900"/>
+              <a:rPr lang="en-US" sz="1900" dirty="0"/>
               <a:t>9. </a:t>
             </a:r>
             <a:r>
-              <a:rPr lang="en-US" sz="1900">
+              <a:rPr lang="en-US" sz="1900" dirty="0">
                 <a:hlinkClick r:id="rId10"/>
               </a:rPr>
-              <a:t>https://backbonejs.org/</a:t>
-            </a:r>
-            <a:endParaRPr lang="en-US" sz="1900"/>
+              <a:t>https://yalantis.com/blog/building-native-apps-with-the-vuejs-framework/</a:t>
+            </a:r>
+            <a:endParaRPr lang="en-US" sz="1900" dirty="0"/>
           </a:p>
           <a:p>
             <a:pPr>
@@ -33302,16 +33099,16 @@
               </a:lnSpc>
             </a:pPr>
             <a:r>
-              <a:rPr lang="en-US" sz="1900"/>
+              <a:rPr lang="en-US" sz="1900" dirty="0"/>
               <a:t>10. </a:t>
             </a:r>
             <a:r>
-              <a:rPr lang="en-US" sz="1900">
+              <a:rPr lang="en-US" sz="1900" dirty="0">
                 <a:hlinkClick r:id="rId11"/>
               </a:rPr>
-              <a:t>https://habr.com/ru/post/471702/</a:t>
-            </a:r>
-            <a:endParaRPr lang="en-US" sz="1900"/>
+              <a:t>https://backbonejs.org/</a:t>
+            </a:r>
+            <a:endParaRPr lang="en-US" sz="1900" dirty="0"/>
           </a:p>
           <a:p>
             <a:pPr>
@@ -33320,9 +33117,16 @@
               </a:lnSpc>
             </a:pPr>
             <a:r>
-              <a:rPr lang="en-US" sz="1900"/>
-              <a:t>11. https://svelte.dev</a:t>
-            </a:r>
+              <a:rPr lang="en-US" sz="1900" dirty="0"/>
+              <a:t>11. </a:t>
+            </a:r>
+            <a:r>
+              <a:rPr lang="en-US" sz="1900" dirty="0">
+                <a:hlinkClick r:id="rId4"/>
+              </a:rPr>
+              <a:t>https://habr.com/ru/post/471702/</a:t>
+            </a:r>
+            <a:endParaRPr lang="en-US" sz="1900" dirty="0"/>
           </a:p>
           <a:p>
             <a:pPr>
@@ -33330,7 +33134,22 @@
                 <a:spcPct val="90000"/>
               </a:lnSpc>
             </a:pPr>
-            <a:endParaRPr lang="en-US" sz="1900"/>
+            <a:r>
+              <a:rPr lang="en-US" sz="1900"/>
+              <a:t>12. </a:t>
+            </a:r>
+            <a:r>
+              <a:rPr lang="en-US" sz="1900" dirty="0"/>
+              <a:t>https://svelte.dev</a:t>
+            </a:r>
+          </a:p>
+          <a:p>
+            <a:pPr>
+              <a:lnSpc>
+                <a:spcPct val="90000"/>
+              </a:lnSpc>
+            </a:pPr>
+            <a:endParaRPr lang="en-US" sz="1900" dirty="0"/>
           </a:p>
         </p:txBody>
       </p:sp>
